--- a/Documentación.pptx
+++ b/Documentación.pptx
@@ -14,6 +14,8 @@
     <p:sldId id="259" r:id="rId8"/>
     <p:sldId id="266" r:id="rId9"/>
     <p:sldId id="265" r:id="rId10"/>
+    <p:sldId id="268" r:id="rId11"/>
+    <p:sldId id="267" r:id="rId12"/>
   </p:sldIdLst>
   <p:sldSz cx="12192000" cy="6858000"/>
   <p:notesSz cx="6858000" cy="9144000"/>
@@ -115,7 +117,7 @@
   <p:extLst>
     <p:ext uri="{EFAFB233-063F-42B5-8137-9DF3F51BA10A}">
       <p15:sldGuideLst xmlns:p15="http://schemas.microsoft.com/office/powerpoint/2012/main">
-        <p15:guide id="1" orient="horz" pos="2160" userDrawn="1">
+        <p15:guide id="1" orient="horz" pos="2137" userDrawn="1">
           <p15:clr>
             <a:srgbClr val="A4A3A4"/>
           </p15:clr>
@@ -329,7 +331,7 @@
           <a:p>
             <a:fld id="{BA7929D1-1D66-4D09-8BE1-6CD648E34BD7}" type="datetimeFigureOut">
               <a:rPr lang="es-MX" smtClean="0"/>
-              <a:t>20/10/2020</a:t>
+              <a:t>23/10/2020</a:t>
             </a:fld>
             <a:endParaRPr lang="es-MX"/>
           </a:p>
@@ -604,7 +606,7 @@
           <a:p>
             <a:fld id="{BA7929D1-1D66-4D09-8BE1-6CD648E34BD7}" type="datetimeFigureOut">
               <a:rPr lang="es-MX" smtClean="0"/>
-              <a:t>20/10/2020</a:t>
+              <a:t>23/10/2020</a:t>
             </a:fld>
             <a:endParaRPr lang="es-MX"/>
           </a:p>
@@ -798,7 +800,7 @@
           <a:p>
             <a:fld id="{BA7929D1-1D66-4D09-8BE1-6CD648E34BD7}" type="datetimeFigureOut">
               <a:rPr lang="es-MX" smtClean="0"/>
-              <a:t>20/10/2020</a:t>
+              <a:t>23/10/2020</a:t>
             </a:fld>
             <a:endParaRPr lang="es-MX"/>
           </a:p>
@@ -1071,7 +1073,7 @@
           <a:p>
             <a:fld id="{BA7929D1-1D66-4D09-8BE1-6CD648E34BD7}" type="datetimeFigureOut">
               <a:rPr lang="es-MX" smtClean="0"/>
-              <a:t>20/10/2020</a:t>
+              <a:t>23/10/2020</a:t>
             </a:fld>
             <a:endParaRPr lang="es-MX"/>
           </a:p>
@@ -1412,7 +1414,7 @@
           <a:p>
             <a:fld id="{BA7929D1-1D66-4D09-8BE1-6CD648E34BD7}" type="datetimeFigureOut">
               <a:rPr lang="es-MX" smtClean="0"/>
-              <a:t>20/10/2020</a:t>
+              <a:t>23/10/2020</a:t>
             </a:fld>
             <a:endParaRPr lang="es-MX"/>
           </a:p>
@@ -2035,7 +2037,7 @@
           <a:p>
             <a:fld id="{BA7929D1-1D66-4D09-8BE1-6CD648E34BD7}" type="datetimeFigureOut">
               <a:rPr lang="es-MX" smtClean="0"/>
-              <a:t>20/10/2020</a:t>
+              <a:t>23/10/2020</a:t>
             </a:fld>
             <a:endParaRPr lang="es-MX"/>
           </a:p>
@@ -2895,7 +2897,7 @@
           <a:p>
             <a:fld id="{BA7929D1-1D66-4D09-8BE1-6CD648E34BD7}" type="datetimeFigureOut">
               <a:rPr lang="es-MX" smtClean="0"/>
-              <a:t>20/10/2020</a:t>
+              <a:t>23/10/2020</a:t>
             </a:fld>
             <a:endParaRPr lang="es-MX"/>
           </a:p>
@@ -3065,7 +3067,7 @@
           <a:p>
             <a:fld id="{BA7929D1-1D66-4D09-8BE1-6CD648E34BD7}" type="datetimeFigureOut">
               <a:rPr lang="es-MX" smtClean="0"/>
-              <a:t>20/10/2020</a:t>
+              <a:t>23/10/2020</a:t>
             </a:fld>
             <a:endParaRPr lang="es-MX"/>
           </a:p>
@@ -3245,7 +3247,7 @@
           <a:p>
             <a:fld id="{BA7929D1-1D66-4D09-8BE1-6CD648E34BD7}" type="datetimeFigureOut">
               <a:rPr lang="es-MX" smtClean="0"/>
-              <a:t>20/10/2020</a:t>
+              <a:t>23/10/2020</a:t>
             </a:fld>
             <a:endParaRPr lang="es-MX"/>
           </a:p>
@@ -3415,7 +3417,7 @@
           <a:p>
             <a:fld id="{BA7929D1-1D66-4D09-8BE1-6CD648E34BD7}" type="datetimeFigureOut">
               <a:rPr lang="es-MX" smtClean="0"/>
-              <a:t>20/10/2020</a:t>
+              <a:t>23/10/2020</a:t>
             </a:fld>
             <a:endParaRPr lang="es-MX"/>
           </a:p>
@@ -3662,7 +3664,7 @@
           <a:p>
             <a:fld id="{BA7929D1-1D66-4D09-8BE1-6CD648E34BD7}" type="datetimeFigureOut">
               <a:rPr lang="es-MX" smtClean="0"/>
-              <a:t>20/10/2020</a:t>
+              <a:t>23/10/2020</a:t>
             </a:fld>
             <a:endParaRPr lang="es-MX"/>
           </a:p>
@@ -3954,7 +3956,7 @@
           <a:p>
             <a:fld id="{BA7929D1-1D66-4D09-8BE1-6CD648E34BD7}" type="datetimeFigureOut">
               <a:rPr lang="es-MX" smtClean="0"/>
-              <a:t>20/10/2020</a:t>
+              <a:t>23/10/2020</a:t>
             </a:fld>
             <a:endParaRPr lang="es-MX"/>
           </a:p>
@@ -4398,7 +4400,7 @@
           <a:p>
             <a:fld id="{BA7929D1-1D66-4D09-8BE1-6CD648E34BD7}" type="datetimeFigureOut">
               <a:rPr lang="es-MX" smtClean="0"/>
-              <a:t>20/10/2020</a:t>
+              <a:t>23/10/2020</a:t>
             </a:fld>
             <a:endParaRPr lang="es-MX"/>
           </a:p>
@@ -4516,7 +4518,7 @@
           <a:p>
             <a:fld id="{BA7929D1-1D66-4D09-8BE1-6CD648E34BD7}" type="datetimeFigureOut">
               <a:rPr lang="es-MX" smtClean="0"/>
-              <a:t>20/10/2020</a:t>
+              <a:t>23/10/2020</a:t>
             </a:fld>
             <a:endParaRPr lang="es-MX"/>
           </a:p>
@@ -4611,7 +4613,7 @@
           <a:p>
             <a:fld id="{BA7929D1-1D66-4D09-8BE1-6CD648E34BD7}" type="datetimeFigureOut">
               <a:rPr lang="es-MX" smtClean="0"/>
-              <a:t>20/10/2020</a:t>
+              <a:t>23/10/2020</a:t>
             </a:fld>
             <a:endParaRPr lang="es-MX"/>
           </a:p>
@@ -4890,7 +4892,7 @@
           <a:p>
             <a:fld id="{BA7929D1-1D66-4D09-8BE1-6CD648E34BD7}" type="datetimeFigureOut">
               <a:rPr lang="es-MX" smtClean="0"/>
-              <a:t>20/10/2020</a:t>
+              <a:t>23/10/2020</a:t>
             </a:fld>
             <a:endParaRPr lang="es-MX"/>
           </a:p>
@@ -5165,7 +5167,7 @@
           <a:p>
             <a:fld id="{BA7929D1-1D66-4D09-8BE1-6CD648E34BD7}" type="datetimeFigureOut">
               <a:rPr lang="es-MX" smtClean="0"/>
-              <a:t>20/10/2020</a:t>
+              <a:t>23/10/2020</a:t>
             </a:fld>
             <a:endParaRPr lang="es-MX"/>
           </a:p>
@@ -5594,7 +5596,7 @@
           <a:p>
             <a:fld id="{BA7929D1-1D66-4D09-8BE1-6CD648E34BD7}" type="datetimeFigureOut">
               <a:rPr lang="es-MX" smtClean="0"/>
-              <a:t>20/10/2020</a:t>
+              <a:t>23/10/2020</a:t>
             </a:fld>
             <a:endParaRPr lang="es-MX"/>
           </a:p>
@@ -6254,6 +6256,192 @@
 </p:sld>
 </file>
 
+<file path=ppt/slides/slide10.xml><?xml version="1.0" encoding="utf-8"?>
+<p:sld xmlns:a="http://schemas.openxmlformats.org/drawingml/2006/main" xmlns:r="http://schemas.openxmlformats.org/officeDocument/2006/relationships" xmlns:p="http://schemas.openxmlformats.org/presentationml/2006/main">
+  <p:cSld>
+    <p:spTree>
+      <p:nvGrpSpPr>
+        <p:cNvPr id="1" name=""/>
+        <p:cNvGrpSpPr/>
+        <p:nvPr/>
+      </p:nvGrpSpPr>
+      <p:grpSpPr>
+        <a:xfrm>
+          <a:off x="0" y="0"/>
+          <a:ext cx="0" cy="0"/>
+          <a:chOff x="0" y="0"/>
+          <a:chExt cx="0" cy="0"/>
+        </a:xfrm>
+      </p:grpSpPr>
+      <p:sp>
+        <p:nvSpPr>
+          <p:cNvPr id="2" name="Título 1">
+            <a:extLst>
+              <a:ext uri="{FF2B5EF4-FFF2-40B4-BE49-F238E27FC236}">
+                <a16:creationId xmlns:a16="http://schemas.microsoft.com/office/drawing/2014/main" id="{4E60E5F6-A1BC-4F00-AE82-41D07D45F448}"/>
+              </a:ext>
+            </a:extLst>
+          </p:cNvPr>
+          <p:cNvSpPr>
+            <a:spLocks noGrp="1"/>
+          </p:cNvSpPr>
+          <p:nvPr>
+            <p:ph type="title"/>
+          </p:nvPr>
+        </p:nvSpPr>
+        <p:spPr>
+          <a:xfrm>
+            <a:off x="646111" y="452718"/>
+            <a:ext cx="7298675" cy="911387"/>
+          </a:xfrm>
+        </p:spPr>
+        <p:txBody>
+          <a:bodyPr/>
+          <a:lstStyle/>
+          <a:p>
+            <a:r>
+              <a:rPr lang="es-MX" dirty="0"/>
+              <a:t>EJECUCION DEL JUEGO</a:t>
+            </a:r>
+          </a:p>
+        </p:txBody>
+      </p:sp>
+      <p:pic>
+        <p:nvPicPr>
+          <p:cNvPr id="5" name="Imagen 4">
+            <a:extLst>
+              <a:ext uri="{FF2B5EF4-FFF2-40B4-BE49-F238E27FC236}">
+                <a16:creationId xmlns:a16="http://schemas.microsoft.com/office/drawing/2014/main" id="{1C93163D-BF0A-4626-A9D9-9E99CE4BE29D}"/>
+              </a:ext>
+            </a:extLst>
+          </p:cNvPr>
+          <p:cNvPicPr>
+            <a:picLocks noChangeAspect="1"/>
+          </p:cNvPicPr>
+          <p:nvPr/>
+        </p:nvPicPr>
+        <p:blipFill>
+          <a:blip r:embed="rId2"/>
+          <a:stretch>
+            <a:fillRect/>
+          </a:stretch>
+        </p:blipFill>
+        <p:spPr>
+          <a:xfrm>
+            <a:off x="2983044" y="1381124"/>
+            <a:ext cx="5801192" cy="5304739"/>
+          </a:xfrm>
+          <a:prstGeom prst="rect">
+            <a:avLst/>
+          </a:prstGeom>
+        </p:spPr>
+      </p:pic>
+    </p:spTree>
+    <p:extLst>
+      <p:ext uri="{BB962C8B-B14F-4D97-AF65-F5344CB8AC3E}">
+        <p14:creationId xmlns:p14="http://schemas.microsoft.com/office/powerpoint/2010/main" val="1201995311"/>
+      </p:ext>
+    </p:extLst>
+  </p:cSld>
+  <p:clrMapOvr>
+    <a:masterClrMapping/>
+  </p:clrMapOvr>
+</p:sld>
+</file>
+
+<file path=ppt/slides/slide11.xml><?xml version="1.0" encoding="utf-8"?>
+<p:sld xmlns:a="http://schemas.openxmlformats.org/drawingml/2006/main" xmlns:r="http://schemas.openxmlformats.org/officeDocument/2006/relationships" xmlns:p="http://schemas.openxmlformats.org/presentationml/2006/main">
+  <p:cSld>
+    <p:spTree>
+      <p:nvGrpSpPr>
+        <p:cNvPr id="1" name=""/>
+        <p:cNvGrpSpPr/>
+        <p:nvPr/>
+      </p:nvGrpSpPr>
+      <p:grpSpPr>
+        <a:xfrm>
+          <a:off x="0" y="0"/>
+          <a:ext cx="0" cy="0"/>
+          <a:chOff x="0" y="0"/>
+          <a:chExt cx="0" cy="0"/>
+        </a:xfrm>
+      </p:grpSpPr>
+      <p:sp>
+        <p:nvSpPr>
+          <p:cNvPr id="2" name="Título 1">
+            <a:extLst>
+              <a:ext uri="{FF2B5EF4-FFF2-40B4-BE49-F238E27FC236}">
+                <a16:creationId xmlns:a16="http://schemas.microsoft.com/office/drawing/2014/main" id="{4E60E5F6-A1BC-4F00-AE82-41D07D45F448}"/>
+              </a:ext>
+            </a:extLst>
+          </p:cNvPr>
+          <p:cNvSpPr>
+            <a:spLocks noGrp="1"/>
+          </p:cNvSpPr>
+          <p:nvPr>
+            <p:ph type="title"/>
+          </p:nvPr>
+        </p:nvSpPr>
+        <p:spPr>
+          <a:xfrm>
+            <a:off x="646112" y="452718"/>
+            <a:ext cx="6669088" cy="911387"/>
+          </a:xfrm>
+        </p:spPr>
+        <p:txBody>
+          <a:bodyPr/>
+          <a:lstStyle/>
+          <a:p>
+            <a:r>
+              <a:rPr lang="es-MX" dirty="0"/>
+              <a:t>EJECUCION DEL JUEGO</a:t>
+            </a:r>
+          </a:p>
+        </p:txBody>
+      </p:sp>
+      <p:pic>
+        <p:nvPicPr>
+          <p:cNvPr id="4" name="Imagen 3">
+            <a:extLst>
+              <a:ext uri="{FF2B5EF4-FFF2-40B4-BE49-F238E27FC236}">
+                <a16:creationId xmlns:a16="http://schemas.microsoft.com/office/drawing/2014/main" id="{B9448BF7-3E92-412A-99E6-FCCD1C052D50}"/>
+              </a:ext>
+            </a:extLst>
+          </p:cNvPr>
+          <p:cNvPicPr>
+            <a:picLocks noChangeAspect="1"/>
+          </p:cNvPicPr>
+          <p:nvPr/>
+        </p:nvPicPr>
+        <p:blipFill>
+          <a:blip r:embed="rId2"/>
+          <a:stretch>
+            <a:fillRect/>
+          </a:stretch>
+        </p:blipFill>
+        <p:spPr>
+          <a:xfrm>
+            <a:off x="1319212" y="1364105"/>
+            <a:ext cx="9553575" cy="5031932"/>
+          </a:xfrm>
+          <a:prstGeom prst="rect">
+            <a:avLst/>
+          </a:prstGeom>
+        </p:spPr>
+      </p:pic>
+    </p:spTree>
+    <p:extLst>
+      <p:ext uri="{BB962C8B-B14F-4D97-AF65-F5344CB8AC3E}">
+        <p14:creationId xmlns:p14="http://schemas.microsoft.com/office/powerpoint/2010/main" val="2056806577"/>
+      </p:ext>
+    </p:extLst>
+  </p:cSld>
+  <p:clrMapOvr>
+    <a:masterClrMapping/>
+  </p:clrMapOvr>
+</p:sld>
+</file>
+
 <file path=ppt/slides/slide2.xml><?xml version="1.0" encoding="utf-8"?>
 <p:sld xmlns:a="http://schemas.openxmlformats.org/drawingml/2006/main" xmlns:r="http://schemas.openxmlformats.org/officeDocument/2006/relationships" xmlns:p="http://schemas.openxmlformats.org/presentationml/2006/main">
   <p:cSld>
@@ -7688,7 +7876,14 @@
             <a:pPr algn="l"/>
             <a:r>
               <a:rPr lang="es-MX" dirty="0"/>
-              <a:t>Semana 5(12 de octubre – 18 de octubre): SE AGREGO MOVIMIENTO A LOS PERSONAJE S DENTRO DEL JUEGO</a:t>
+              <a:t>Semana 5(12 de octubre – 18 de octubre): SE AGREGO MOVIMIENTO A LOS PERSONAJE S DENTRO DEL JUEGO y la bomba</a:t>
+            </a:r>
+          </a:p>
+          <a:p>
+            <a:pPr algn="l"/>
+            <a:r>
+              <a:rPr lang="es-MX" dirty="0"/>
+              <a:t>SEMANA 6(19 DE OCTUBRE – 23 DE OCTUBRE): Se AGREGO UN MENU INICIAL Y SE finalizo el juego con todo los detalles.</a:t>
             </a:r>
           </a:p>
         </p:txBody>
